--- a/Presentation.pptx
+++ b/Presentation.pptx
@@ -6583,6 +6583,12 @@
             <a:off x="967387" y="3462604"/>
             <a:ext cx="6222040" cy="945369"/>
           </a:xfrm>
+          <a:noFill/>
+          <a:ln>
+            <a:solidFill>
+              <a:srgbClr val="00B050"/>
+            </a:solidFill>
+          </a:ln>
         </p:spPr>
         <p:txBody>
           <a:bodyPr/>
@@ -6833,6 +6839,11 @@
             <a:avLst/>
           </a:prstGeom>
           <a:noFill/>
+          <a:ln>
+            <a:solidFill>
+              <a:schemeClr val="accent1"/>
+            </a:solidFill>
+          </a:ln>
         </p:spPr>
         <p:txBody>
           <a:bodyPr wrap="square" rtlCol="0">
